--- a/OLSRv2/docs/OLSRv2 Sim design.pptx
+++ b/OLSRv2/docs/OLSRv2 Sim design.pptx
@@ -1,6 +1,6 @@
 
 <file path=ppt/presentation.xml><?xml version="1.0" encoding="utf-8"?>
-<p:presentation xmlns:a="http://schemas.openxmlformats.org/drawingml/2006/main" xmlns:r="http://schemas.openxmlformats.org/officeDocument/2006/relationships" xmlns:p="http://schemas.openxmlformats.org/presentationml/2006/main" rtl="1" saveSubsetFonts="1">
+<p:presentation xmlns:a="http://schemas.openxmlformats.org/drawingml/2006/main" xmlns:r="http://schemas.openxmlformats.org/officeDocument/2006/relationships" xmlns:p="http://schemas.openxmlformats.org/presentationml/2006/main" serverZoom="30198" rtl="1" saveSubsetFonts="1">
   <p:sldMasterIdLst>
     <p:sldMasterId id="2147483648" r:id="rId1"/>
   </p:sldMasterIdLst>
@@ -289,7 +289,7 @@
             <a:fld id="{A7FC6F2D-DDC4-46C7-B96D-2379F3364B7E}" type="datetimeFigureOut">
               <a:rPr lang="he-IL" smtClean="0"/>
               <a:pPr/>
-              <a:t>ו'/חשון/תש"ע</a:t>
+              <a:t>ח'/חשון/תש"ע</a:t>
             </a:fld>
             <a:endParaRPr lang="he-IL"/>
           </a:p>
@@ -456,7 +456,7 @@
             <a:fld id="{A7FC6F2D-DDC4-46C7-B96D-2379F3364B7E}" type="datetimeFigureOut">
               <a:rPr lang="he-IL" smtClean="0"/>
               <a:pPr/>
-              <a:t>ו'/חשון/תש"ע</a:t>
+              <a:t>ח'/חשון/תש"ע</a:t>
             </a:fld>
             <a:endParaRPr lang="he-IL"/>
           </a:p>
@@ -633,7 +633,7 @@
             <a:fld id="{A7FC6F2D-DDC4-46C7-B96D-2379F3364B7E}" type="datetimeFigureOut">
               <a:rPr lang="he-IL" smtClean="0"/>
               <a:pPr/>
-              <a:t>ו'/חשון/תש"ע</a:t>
+              <a:t>ח'/חשון/תש"ע</a:t>
             </a:fld>
             <a:endParaRPr lang="he-IL"/>
           </a:p>
@@ -800,7 +800,7 @@
             <a:fld id="{A7FC6F2D-DDC4-46C7-B96D-2379F3364B7E}" type="datetimeFigureOut">
               <a:rPr lang="he-IL" smtClean="0"/>
               <a:pPr/>
-              <a:t>ו'/חשון/תש"ע</a:t>
+              <a:t>ח'/חשון/תש"ע</a:t>
             </a:fld>
             <a:endParaRPr lang="he-IL"/>
           </a:p>
@@ -1043,7 +1043,7 @@
             <a:fld id="{A7FC6F2D-DDC4-46C7-B96D-2379F3364B7E}" type="datetimeFigureOut">
               <a:rPr lang="he-IL" smtClean="0"/>
               <a:pPr/>
-              <a:t>ו'/חשון/תש"ע</a:t>
+              <a:t>ח'/חשון/תש"ע</a:t>
             </a:fld>
             <a:endParaRPr lang="he-IL"/>
           </a:p>
@@ -1328,7 +1328,7 @@
             <a:fld id="{A7FC6F2D-DDC4-46C7-B96D-2379F3364B7E}" type="datetimeFigureOut">
               <a:rPr lang="he-IL" smtClean="0"/>
               <a:pPr/>
-              <a:t>ו'/חשון/תש"ע</a:t>
+              <a:t>ח'/חשון/תש"ע</a:t>
             </a:fld>
             <a:endParaRPr lang="he-IL"/>
           </a:p>
@@ -1747,7 +1747,7 @@
             <a:fld id="{A7FC6F2D-DDC4-46C7-B96D-2379F3364B7E}" type="datetimeFigureOut">
               <a:rPr lang="he-IL" smtClean="0"/>
               <a:pPr/>
-              <a:t>ו'/חשון/תש"ע</a:t>
+              <a:t>ח'/חשון/תש"ע</a:t>
             </a:fld>
             <a:endParaRPr lang="he-IL"/>
           </a:p>
@@ -1862,7 +1862,7 @@
             <a:fld id="{A7FC6F2D-DDC4-46C7-B96D-2379F3364B7E}" type="datetimeFigureOut">
               <a:rPr lang="he-IL" smtClean="0"/>
               <a:pPr/>
-              <a:t>ו'/חשון/תש"ע</a:t>
+              <a:t>ח'/חשון/תש"ע</a:t>
             </a:fld>
             <a:endParaRPr lang="he-IL"/>
           </a:p>
@@ -1954,7 +1954,7 @@
             <a:fld id="{A7FC6F2D-DDC4-46C7-B96D-2379F3364B7E}" type="datetimeFigureOut">
               <a:rPr lang="he-IL" smtClean="0"/>
               <a:pPr/>
-              <a:t>ו'/חשון/תש"ע</a:t>
+              <a:t>ח'/חשון/תש"ע</a:t>
             </a:fld>
             <a:endParaRPr lang="he-IL"/>
           </a:p>
@@ -2228,7 +2228,7 @@
             <a:fld id="{A7FC6F2D-DDC4-46C7-B96D-2379F3364B7E}" type="datetimeFigureOut">
               <a:rPr lang="he-IL" smtClean="0"/>
               <a:pPr/>
-              <a:t>ו'/חשון/תש"ע</a:t>
+              <a:t>ח'/חשון/תש"ע</a:t>
             </a:fld>
             <a:endParaRPr lang="he-IL"/>
           </a:p>
@@ -2478,7 +2478,7 @@
             <a:fld id="{A7FC6F2D-DDC4-46C7-B96D-2379F3364B7E}" type="datetimeFigureOut">
               <a:rPr lang="he-IL" smtClean="0"/>
               <a:pPr/>
-              <a:t>ו'/חשון/תש"ע</a:t>
+              <a:t>ח'/חשון/תש"ע</a:t>
             </a:fld>
             <a:endParaRPr lang="he-IL"/>
           </a:p>
@@ -2688,7 +2688,7 @@
             <a:fld id="{A7FC6F2D-DDC4-46C7-B96D-2379F3364B7E}" type="datetimeFigureOut">
               <a:rPr lang="he-IL" smtClean="0"/>
               <a:pPr/>
-              <a:t>ו'/חשון/תש"ע</a:t>
+              <a:t>ח'/חשון/תש"ע</a:t>
             </a:fld>
             <a:endParaRPr lang="he-IL"/>
           </a:p>
@@ -3067,7 +3067,7 @@
         </p:nvSpPr>
         <p:spPr>
           <a:xfrm>
-            <a:off x="2711250" y="3857628"/>
+            <a:off x="1711118" y="3143248"/>
             <a:ext cx="1571636" cy="785818"/>
           </a:xfrm>
           <a:prstGeom prst="rect">
@@ -3136,7 +3136,7 @@
         </p:nvSpPr>
         <p:spPr>
           <a:xfrm>
-            <a:off x="4640076" y="5286388"/>
+            <a:off x="3639944" y="4572008"/>
             <a:ext cx="1571636" cy="785818"/>
           </a:xfrm>
           <a:prstGeom prst="rect">
@@ -3194,7 +3194,7 @@
         </p:nvSpPr>
         <p:spPr>
           <a:xfrm>
-            <a:off x="5211580" y="3786190"/>
+            <a:off x="4211448" y="3071810"/>
             <a:ext cx="428628" cy="1214446"/>
           </a:xfrm>
           <a:prstGeom prst="rect">
@@ -3240,7 +3240,7 @@
         </p:nvSpPr>
         <p:spPr>
           <a:xfrm>
-            <a:off x="6497464" y="3857628"/>
+            <a:off x="5497332" y="3143248"/>
             <a:ext cx="1571636" cy="785818"/>
           </a:xfrm>
           <a:prstGeom prst="rect">
@@ -3298,7 +3298,7 @@
         </p:nvCxnSpPr>
         <p:spPr>
           <a:xfrm rot="5400000" flipH="1" flipV="1">
-            <a:off x="3106727" y="3321843"/>
+            <a:off x="2106595" y="2607463"/>
             <a:ext cx="786612" cy="794"/>
           </a:xfrm>
           <a:prstGeom prst="line">
@@ -3334,7 +3334,7 @@
         </p:nvCxnSpPr>
         <p:spPr>
           <a:xfrm rot="5400000" flipH="1" flipV="1">
-            <a:off x="3104953" y="5249875"/>
+            <a:off x="2104821" y="4535495"/>
             <a:ext cx="785818" cy="1588"/>
           </a:xfrm>
           <a:prstGeom prst="line">
@@ -3370,7 +3370,7 @@
         </p:nvSpPr>
         <p:spPr>
           <a:xfrm>
-            <a:off x="4786314" y="3429000"/>
+            <a:off x="3786182" y="2643182"/>
             <a:ext cx="1353960" cy="369332"/>
           </a:xfrm>
           <a:prstGeom prst="rect">
@@ -3400,7 +3400,7 @@
         </p:nvSpPr>
         <p:spPr>
           <a:xfrm>
-            <a:off x="3643306" y="928670"/>
+            <a:off x="2643174" y="214290"/>
             <a:ext cx="1571636" cy="785818"/>
           </a:xfrm>
           <a:prstGeom prst="rect">
@@ -3458,7 +3458,7 @@
         </p:nvSpPr>
         <p:spPr>
           <a:xfrm>
-            <a:off x="5643570" y="928670"/>
+            <a:off x="4643438" y="214290"/>
             <a:ext cx="1571636" cy="785818"/>
           </a:xfrm>
           <a:prstGeom prst="rect">
@@ -3510,84 +3510,6 @@
       </p:sp>
       <p:cxnSp>
         <p:nvCxnSpPr>
-          <p:cNvPr id="23" name="Shape 22"/>
-          <p:cNvCxnSpPr>
-            <a:stCxn id="4" idx="0"/>
-          </p:cNvCxnSpPr>
-          <p:nvPr/>
-        </p:nvCxnSpPr>
-        <p:spPr>
-          <a:xfrm rot="5400000" flipH="1" flipV="1">
-            <a:off x="4105972" y="2820096"/>
-            <a:ext cx="428628" cy="1646436"/>
-          </a:xfrm>
-          <a:prstGeom prst="curvedConnector2">
-            <a:avLst/>
-          </a:prstGeom>
-          <a:ln>
-            <a:solidFill>
-              <a:schemeClr val="tx1"/>
-            </a:solidFill>
-            <a:headEnd type="none" w="med" len="med"/>
-            <a:tailEnd type="triangle" w="med" len="med"/>
-          </a:ln>
-        </p:spPr>
-        <p:style>
-          <a:lnRef idx="1">
-            <a:schemeClr val="accent1"/>
-          </a:lnRef>
-          <a:fillRef idx="0">
-            <a:schemeClr val="accent1"/>
-          </a:fillRef>
-          <a:effectRef idx="0">
-            <a:schemeClr val="accent1"/>
-          </a:effectRef>
-          <a:fontRef idx="minor">
-            <a:schemeClr val="tx1"/>
-          </a:fontRef>
-        </p:style>
-      </p:cxnSp>
-      <p:cxnSp>
-        <p:nvCxnSpPr>
-          <p:cNvPr id="29" name="Shape 22"/>
-          <p:cNvCxnSpPr>
-            <a:stCxn id="11" idx="0"/>
-          </p:cNvCxnSpPr>
-          <p:nvPr/>
-        </p:nvCxnSpPr>
-        <p:spPr>
-          <a:xfrm rot="16200000" flipV="1">
-            <a:off x="6249112" y="2823458"/>
-            <a:ext cx="428628" cy="1639712"/>
-          </a:xfrm>
-          <a:prstGeom prst="curvedConnector2">
-            <a:avLst/>
-          </a:prstGeom>
-          <a:ln>
-            <a:solidFill>
-              <a:schemeClr val="tx1"/>
-            </a:solidFill>
-            <a:headEnd type="none" w="med" len="med"/>
-            <a:tailEnd type="triangle" w="med" len="med"/>
-          </a:ln>
-        </p:spPr>
-        <p:style>
-          <a:lnRef idx="1">
-            <a:schemeClr val="accent1"/>
-          </a:lnRef>
-          <a:fillRef idx="0">
-            <a:schemeClr val="accent1"/>
-          </a:fillRef>
-          <a:effectRef idx="0">
-            <a:schemeClr val="accent1"/>
-          </a:effectRef>
-          <a:fontRef idx="minor">
-            <a:schemeClr val="tx1"/>
-          </a:fontRef>
-        </p:style>
-      </p:cxnSp>
-      <p:cxnSp>
-        <p:nvCxnSpPr>
           <p:cNvPr id="36" name="Shape 22"/>
           <p:cNvCxnSpPr>
             <a:stCxn id="8" idx="1"/>
@@ -3597,7 +3519,7 @@
         </p:nvCxnSpPr>
         <p:spPr>
           <a:xfrm rot="10800000">
-            <a:off x="3497068" y="4643447"/>
+            <a:off x="2496936" y="3929067"/>
             <a:ext cx="1143008" cy="1035851"/>
           </a:xfrm>
           <a:prstGeom prst="curvedConnector2">
@@ -3637,7 +3559,7 @@
         </p:nvCxnSpPr>
         <p:spPr>
           <a:xfrm rot="5400000">
-            <a:off x="5283018" y="5143512"/>
+            <a:off x="4282886" y="4429132"/>
             <a:ext cx="285752" cy="1588"/>
           </a:xfrm>
           <a:prstGeom prst="curvedConnector3">
@@ -3676,7 +3598,7 @@
         </p:nvSpPr>
         <p:spPr>
           <a:xfrm>
-            <a:off x="3071802" y="2428868"/>
+            <a:off x="2071670" y="1714488"/>
             <a:ext cx="857256" cy="357190"/>
           </a:xfrm>
           <a:prstGeom prst="rect">
@@ -3722,7 +3644,7 @@
         </p:nvSpPr>
         <p:spPr>
           <a:xfrm>
-            <a:off x="3071802" y="2000240"/>
+            <a:off x="2071670" y="1285860"/>
             <a:ext cx="857256" cy="357190"/>
           </a:xfrm>
           <a:prstGeom prst="rect">
@@ -3768,7 +3690,7 @@
         </p:nvSpPr>
         <p:spPr>
           <a:xfrm>
-            <a:off x="3493972" y="1760232"/>
+            <a:off x="2493840" y="1045852"/>
             <a:ext cx="974710" cy="2089873"/>
           </a:xfrm>
           <a:custGeom>
@@ -3893,7 +3815,7 @@
         </p:nvSpPr>
         <p:spPr>
           <a:xfrm>
-            <a:off x="3071802" y="6143644"/>
+            <a:off x="2071670" y="5429264"/>
             <a:ext cx="857256" cy="357190"/>
           </a:xfrm>
           <a:prstGeom prst="rect">
@@ -3939,7 +3861,7 @@
         </p:nvSpPr>
         <p:spPr>
           <a:xfrm>
-            <a:off x="3071802" y="5715016"/>
+            <a:off x="2071670" y="5000636"/>
             <a:ext cx="857256" cy="357190"/>
           </a:xfrm>
           <a:prstGeom prst="rect">
@@ -3985,7 +3907,7 @@
         </p:nvSpPr>
         <p:spPr>
           <a:xfrm>
-            <a:off x="3927107" y="5678905"/>
+            <a:off x="2926975" y="4964525"/>
             <a:ext cx="693019" cy="240632"/>
           </a:xfrm>
           <a:custGeom>
@@ -4068,7 +3990,7 @@
         </p:nvSpPr>
         <p:spPr>
           <a:xfrm>
-            <a:off x="3927107" y="5698156"/>
+            <a:off x="2926975" y="4983776"/>
             <a:ext cx="702645" cy="668955"/>
           </a:xfrm>
           <a:custGeom>
@@ -4151,7 +4073,7 @@
         </p:nvSpPr>
         <p:spPr>
           <a:xfrm>
-            <a:off x="3927107" y="1742173"/>
+            <a:off x="2926975" y="1027793"/>
             <a:ext cx="317634" cy="442762"/>
           </a:xfrm>
           <a:custGeom>
@@ -4234,7 +4156,7 @@
         </p:nvSpPr>
         <p:spPr>
           <a:xfrm>
-            <a:off x="3927107" y="1761423"/>
+            <a:off x="2926975" y="1047043"/>
             <a:ext cx="442762" cy="856649"/>
           </a:xfrm>
           <a:custGeom>
@@ -4330,7 +4252,7 @@
         </p:nvCxnSpPr>
         <p:spPr>
           <a:xfrm>
-            <a:off x="5214942" y="1321579"/>
+            <a:off x="4214810" y="607199"/>
             <a:ext cx="428628" cy="1588"/>
           </a:xfrm>
           <a:prstGeom prst="straightConnector1">
@@ -4367,7 +4289,7 @@
         </p:nvSpPr>
         <p:spPr>
           <a:xfrm>
-            <a:off x="6439301" y="1722922"/>
+            <a:off x="5439169" y="1008542"/>
             <a:ext cx="914400" cy="2136809"/>
           </a:xfrm>
           <a:custGeom>
@@ -4444,28 +4366,90 @@
       </p:sp>
       <p:sp>
         <p:nvSpPr>
-          <p:cNvPr id="27" name="צורה חופשית 26"/>
+          <p:cNvPr id="28" name="מלבן 7"/>
           <p:cNvSpPr/>
           <p:nvPr/>
         </p:nvSpPr>
         <p:spPr>
           <a:xfrm>
-            <a:off x="6217920" y="1337912"/>
-            <a:ext cx="2350169" cy="4409975"/>
+            <a:off x="5500694" y="4572008"/>
+            <a:ext cx="1571636" cy="785818"/>
+          </a:xfrm>
+          <a:prstGeom prst="rect">
+            <a:avLst/>
+          </a:prstGeom>
+          <a:noFill/>
+          <a:ln w="12700" cap="sq">
+            <a:solidFill>
+              <a:schemeClr val="tx1"/>
+            </a:solidFill>
+          </a:ln>
+        </p:spPr>
+        <p:style>
+          <a:lnRef idx="2">
+            <a:schemeClr val="accent1">
+              <a:shade val="50000"/>
+            </a:schemeClr>
+          </a:lnRef>
+          <a:fillRef idx="1">
+            <a:schemeClr val="accent1"/>
+          </a:fillRef>
+          <a:effectRef idx="0">
+            <a:schemeClr val="accent1"/>
+          </a:effectRef>
+          <a:fontRef idx="minor">
+            <a:schemeClr val="lt1"/>
+          </a:fontRef>
+        </p:style>
+        <p:txBody>
+          <a:bodyPr rtlCol="1" anchor="ctr"/>
+          <a:lstStyle/>
+          <a:p>
+            <a:pPr algn="ctr"/>
+            <a:r>
+              <a:rPr lang="en-US" dirty="0" smtClean="0">
+                <a:solidFill>
+                  <a:schemeClr val="tx1"/>
+                </a:solidFill>
+              </a:rPr>
+              <a:t>Topology Manager</a:t>
+            </a:r>
+            <a:endParaRPr lang="he-IL" dirty="0">
+              <a:solidFill>
+                <a:schemeClr val="tx1"/>
+              </a:solidFill>
+            </a:endParaRPr>
+          </a:p>
+        </p:txBody>
+      </p:sp>
+      <p:sp>
+        <p:nvSpPr>
+          <p:cNvPr id="30" name="Freeform 29"/>
+          <p:cNvSpPr/>
+          <p:nvPr/>
+        </p:nvSpPr>
+        <p:spPr>
+          <a:xfrm>
+            <a:off x="6212264" y="603315"/>
+            <a:ext cx="1813089" cy="2945877"/>
           </a:xfrm>
           <a:custGeom>
             <a:avLst/>
             <a:gdLst>
-              <a:gd name="connsiteX0" fmla="*/ 1029903 w 2350169"/>
-              <a:gd name="connsiteY0" fmla="*/ 0 h 4409975"/>
-              <a:gd name="connsiteX1" fmla="*/ 2021305 w 2350169"/>
-              <a:gd name="connsiteY1" fmla="*/ 539014 h 4409975"/>
-              <a:gd name="connsiteX2" fmla="*/ 2329314 w 2350169"/>
-              <a:gd name="connsiteY2" fmla="*/ 2935705 h 4409975"/>
-              <a:gd name="connsiteX3" fmla="*/ 1896177 w 2350169"/>
-              <a:gd name="connsiteY3" fmla="*/ 4167739 h 4409975"/>
-              <a:gd name="connsiteX4" fmla="*/ 0 w 2350169"/>
-              <a:gd name="connsiteY4" fmla="*/ 4389120 h 4409975"/>
+              <a:gd name="connsiteX0" fmla="*/ 0 w 1813089"/>
+              <a:gd name="connsiteY0" fmla="*/ 0 h 2945877"/>
+              <a:gd name="connsiteX1" fmla="*/ 1310326 w 1813089"/>
+              <a:gd name="connsiteY1" fmla="*/ 188537 h 2945877"/>
+              <a:gd name="connsiteX2" fmla="*/ 1734532 w 1813089"/>
+              <a:gd name="connsiteY2" fmla="*/ 961534 h 2945877"/>
+              <a:gd name="connsiteX3" fmla="*/ 1781666 w 1813089"/>
+              <a:gd name="connsiteY3" fmla="*/ 2328421 h 2945877"/>
+              <a:gd name="connsiteX4" fmla="*/ 1659117 w 1813089"/>
+              <a:gd name="connsiteY4" fmla="*/ 2790334 h 2945877"/>
+              <a:gd name="connsiteX5" fmla="*/ 1348033 w 1813089"/>
+              <a:gd name="connsiteY5" fmla="*/ 2922310 h 2945877"/>
+              <a:gd name="connsiteX6" fmla="*/ 867266 w 1813089"/>
+              <a:gd name="connsiteY6" fmla="*/ 2931737 h 2945877"/>
             </a:gdLst>
             <a:ahLst/>
             <a:cxnLst>
@@ -4484,32 +4468,48 @@
               <a:cxn ang="0">
                 <a:pos x="connsiteX4" y="connsiteY4"/>
               </a:cxn>
+              <a:cxn ang="0">
+                <a:pos x="connsiteX5" y="connsiteY5"/>
+              </a:cxn>
+              <a:cxn ang="0">
+                <a:pos x="connsiteX6" y="connsiteY6"/>
+              </a:cxn>
             </a:cxnLst>
             <a:rect l="l" t="t" r="r" b="b"/>
             <a:pathLst>
-              <a:path w="2350169" h="4409975">
+              <a:path w="1813089" h="2945877">
                 <a:moveTo>
-                  <a:pt x="1029903" y="0"/>
+                  <a:pt x="0" y="0"/>
                 </a:moveTo>
                 <a:cubicBezTo>
-                  <a:pt x="1417319" y="24865"/>
-                  <a:pt x="1804736" y="49730"/>
-                  <a:pt x="2021305" y="539014"/>
+                  <a:pt x="510618" y="14140"/>
+                  <a:pt x="1021237" y="28281"/>
+                  <a:pt x="1310326" y="188537"/>
                 </a:cubicBezTo>
                 <a:cubicBezTo>
-                  <a:pt x="2237874" y="1028298"/>
-                  <a:pt x="2350169" y="2330918"/>
-                  <a:pt x="2329314" y="2935705"/>
+                  <a:pt x="1599415" y="348793"/>
+                  <a:pt x="1655975" y="604887"/>
+                  <a:pt x="1734532" y="961534"/>
                 </a:cubicBezTo>
                 <a:cubicBezTo>
-                  <a:pt x="2308459" y="3540492"/>
-                  <a:pt x="2284396" y="3925503"/>
-                  <a:pt x="1896177" y="4167739"/>
+                  <a:pt x="1813089" y="1318181"/>
+                  <a:pt x="1794235" y="2023621"/>
+                  <a:pt x="1781666" y="2328421"/>
                 </a:cubicBezTo>
                 <a:cubicBezTo>
-                  <a:pt x="1507958" y="4409975"/>
-                  <a:pt x="753979" y="4399547"/>
-                  <a:pt x="0" y="4389120"/>
+                  <a:pt x="1769097" y="2633221"/>
+                  <a:pt x="1731389" y="2691353"/>
+                  <a:pt x="1659117" y="2790334"/>
+                </a:cubicBezTo>
+                <a:cubicBezTo>
+                  <a:pt x="1586845" y="2889316"/>
+                  <a:pt x="1480008" y="2898743"/>
+                  <a:pt x="1348033" y="2922310"/>
+                </a:cubicBezTo>
+                <a:cubicBezTo>
+                  <a:pt x="1216058" y="2945877"/>
+                  <a:pt x="1041662" y="2938807"/>
+                  <a:pt x="867266" y="2931737"/>
                 </a:cubicBezTo>
               </a:path>
             </a:pathLst>
@@ -4537,11 +4537,501 @@
           </a:fontRef>
         </p:style>
         <p:txBody>
-          <a:bodyPr rtlCol="1" anchor="ctr"/>
+          <a:bodyPr rtlCol="0" anchor="ctr"/>
           <a:lstStyle/>
           <a:p>
             <a:pPr algn="ctr"/>
-            <a:endParaRPr lang="he-IL"/>
+            <a:endParaRPr lang="en-US"/>
+          </a:p>
+        </p:txBody>
+      </p:sp>
+      <p:sp>
+        <p:nvSpPr>
+          <p:cNvPr id="33" name="Freeform 32"/>
+          <p:cNvSpPr/>
+          <p:nvPr/>
+        </p:nvSpPr>
+        <p:spPr>
+          <a:xfrm>
+            <a:off x="7072331" y="3016578"/>
+            <a:ext cx="921600" cy="1990846"/>
+          </a:xfrm>
+          <a:custGeom>
+            <a:avLst/>
+            <a:gdLst>
+              <a:gd name="connsiteX0" fmla="*/ 0 w 923827"/>
+              <a:gd name="connsiteY0" fmla="*/ 1904215 h 1967060"/>
+              <a:gd name="connsiteX1" fmla="*/ 669303 w 923827"/>
+              <a:gd name="connsiteY1" fmla="*/ 1649691 h 1967060"/>
+              <a:gd name="connsiteX2" fmla="*/ 923827 w 923827"/>
+              <a:gd name="connsiteY2" fmla="*/ 0 h 1967060"/>
+              <a:gd name="connsiteX0" fmla="*/ 0 w 923827"/>
+              <a:gd name="connsiteY0" fmla="*/ 1904215 h 1967060"/>
+              <a:gd name="connsiteX1" fmla="*/ 669303 w 923827"/>
+              <a:gd name="connsiteY1" fmla="*/ 1649691 h 1967060"/>
+              <a:gd name="connsiteX2" fmla="*/ 923827 w 923827"/>
+              <a:gd name="connsiteY2" fmla="*/ 0 h 1967060"/>
+              <a:gd name="connsiteX0" fmla="*/ 0 w 923827"/>
+              <a:gd name="connsiteY0" fmla="*/ 2047067 h 2078489"/>
+              <a:gd name="connsiteX1" fmla="*/ 669303 w 923827"/>
+              <a:gd name="connsiteY1" fmla="*/ 1649691 h 2078489"/>
+              <a:gd name="connsiteX2" fmla="*/ 923827 w 923827"/>
+              <a:gd name="connsiteY2" fmla="*/ 0 h 2078489"/>
+              <a:gd name="connsiteX0" fmla="*/ 0 w 923827"/>
+              <a:gd name="connsiteY0" fmla="*/ 2047067 h 2078489"/>
+              <a:gd name="connsiteX1" fmla="*/ 669303 w 923827"/>
+              <a:gd name="connsiteY1" fmla="*/ 1649691 h 2078489"/>
+              <a:gd name="connsiteX2" fmla="*/ 923827 w 923827"/>
+              <a:gd name="connsiteY2" fmla="*/ 0 h 2078489"/>
+              <a:gd name="connsiteX0" fmla="*/ 0 w 926799"/>
+              <a:gd name="connsiteY0" fmla="*/ 2047067 h 2078489"/>
+              <a:gd name="connsiteX1" fmla="*/ 772828 w 926799"/>
+              <a:gd name="connsiteY1" fmla="*/ 1725097 h 2078489"/>
+              <a:gd name="connsiteX2" fmla="*/ 923827 w 926799"/>
+              <a:gd name="connsiteY2" fmla="*/ 0 h 2078489"/>
+            </a:gdLst>
+            <a:ahLst/>
+            <a:cxnLst>
+              <a:cxn ang="0">
+                <a:pos x="connsiteX0" y="connsiteY0"/>
+              </a:cxn>
+              <a:cxn ang="0">
+                <a:pos x="connsiteX1" y="connsiteY1"/>
+              </a:cxn>
+              <a:cxn ang="0">
+                <a:pos x="connsiteX2" y="connsiteY2"/>
+              </a:cxn>
+            </a:cxnLst>
+            <a:rect l="l" t="t" r="r" b="b"/>
+            <a:pathLst>
+              <a:path w="926799" h="2078489">
+                <a:moveTo>
+                  <a:pt x="0" y="2047067"/>
+                </a:moveTo>
+                <a:cubicBezTo>
+                  <a:pt x="257666" y="2078489"/>
+                  <a:pt x="618857" y="2066275"/>
+                  <a:pt x="772828" y="1725097"/>
+                </a:cubicBezTo>
+                <a:cubicBezTo>
+                  <a:pt x="926799" y="1383919"/>
+                  <a:pt x="873550" y="666161"/>
+                  <a:pt x="923827" y="0"/>
+                </a:cubicBezTo>
+              </a:path>
+            </a:pathLst>
+          </a:custGeom>
+          <a:ln>
+            <a:solidFill>
+              <a:schemeClr val="tx1"/>
+            </a:solidFill>
+            <a:headEnd type="triangle" w="med" len="med"/>
+            <a:tailEnd type="none" w="med" len="med"/>
+          </a:ln>
+        </p:spPr>
+        <p:style>
+          <a:lnRef idx="1">
+            <a:schemeClr val="accent1"/>
+          </a:lnRef>
+          <a:fillRef idx="0">
+            <a:schemeClr val="accent1"/>
+          </a:fillRef>
+          <a:effectRef idx="0">
+            <a:schemeClr val="accent1"/>
+          </a:effectRef>
+          <a:fontRef idx="minor">
+            <a:schemeClr val="tx1"/>
+          </a:fontRef>
+        </p:style>
+        <p:txBody>
+          <a:bodyPr rtlCol="0" anchor="ctr"/>
+          <a:lstStyle/>
+          <a:p>
+            <a:pPr algn="ctr"/>
+            <a:endParaRPr lang="en-US"/>
+          </a:p>
+        </p:txBody>
+      </p:sp>
+      <p:sp>
+        <p:nvSpPr>
+          <p:cNvPr id="34" name="Freeform 33"/>
+          <p:cNvSpPr/>
+          <p:nvPr/>
+        </p:nvSpPr>
+        <p:spPr>
+          <a:xfrm>
+            <a:off x="4581427" y="1949777"/>
+            <a:ext cx="1253765" cy="1189349"/>
+          </a:xfrm>
+          <a:custGeom>
+            <a:avLst/>
+            <a:gdLst>
+              <a:gd name="connsiteX0" fmla="*/ 1253765 w 1253765"/>
+              <a:gd name="connsiteY0" fmla="*/ 1189349 h 1189349"/>
+              <a:gd name="connsiteX1" fmla="*/ 556181 w 1253765"/>
+              <a:gd name="connsiteY1" fmla="*/ 76986 h 1189349"/>
+              <a:gd name="connsiteX2" fmla="*/ 0 w 1253765"/>
+              <a:gd name="connsiteY2" fmla="*/ 727435 h 1189349"/>
+            </a:gdLst>
+            <a:ahLst/>
+            <a:cxnLst>
+              <a:cxn ang="0">
+                <a:pos x="connsiteX0" y="connsiteY0"/>
+              </a:cxn>
+              <a:cxn ang="0">
+                <a:pos x="connsiteX1" y="connsiteY1"/>
+              </a:cxn>
+              <a:cxn ang="0">
+                <a:pos x="connsiteX2" y="connsiteY2"/>
+              </a:cxn>
+            </a:cxnLst>
+            <a:rect l="l" t="t" r="r" b="b"/>
+            <a:pathLst>
+              <a:path w="1253765" h="1189349">
+                <a:moveTo>
+                  <a:pt x="1253765" y="1189349"/>
+                </a:moveTo>
+                <a:cubicBezTo>
+                  <a:pt x="1009453" y="671660"/>
+                  <a:pt x="765142" y="153972"/>
+                  <a:pt x="556181" y="76986"/>
+                </a:cubicBezTo>
+                <a:cubicBezTo>
+                  <a:pt x="347220" y="0"/>
+                  <a:pt x="173610" y="363717"/>
+                  <a:pt x="0" y="727435"/>
+                </a:cubicBezTo>
+              </a:path>
+            </a:pathLst>
+          </a:custGeom>
+          <a:ln>
+            <a:solidFill>
+              <a:schemeClr val="tx1"/>
+            </a:solidFill>
+            <a:headEnd type="none" w="med" len="med"/>
+            <a:tailEnd type="triangle" w="med" len="med"/>
+          </a:ln>
+        </p:spPr>
+        <p:style>
+          <a:lnRef idx="1">
+            <a:schemeClr val="accent1"/>
+          </a:lnRef>
+          <a:fillRef idx="0">
+            <a:schemeClr val="accent1"/>
+          </a:fillRef>
+          <a:effectRef idx="0">
+            <a:schemeClr val="accent1"/>
+          </a:effectRef>
+          <a:fontRef idx="minor">
+            <a:schemeClr val="tx1"/>
+          </a:fontRef>
+        </p:style>
+        <p:txBody>
+          <a:bodyPr rtlCol="0" anchor="ctr"/>
+          <a:lstStyle/>
+          <a:p>
+            <a:pPr algn="ctr"/>
+            <a:endParaRPr lang="en-US"/>
+          </a:p>
+        </p:txBody>
+      </p:sp>
+      <p:sp>
+        <p:nvSpPr>
+          <p:cNvPr id="35" name="Freeform 34"/>
+          <p:cNvSpPr/>
+          <p:nvPr/>
+        </p:nvSpPr>
+        <p:spPr>
+          <a:xfrm flipH="1">
+            <a:off x="2949698" y="1940448"/>
+            <a:ext cx="1357322" cy="1189349"/>
+          </a:xfrm>
+          <a:custGeom>
+            <a:avLst/>
+            <a:gdLst>
+              <a:gd name="connsiteX0" fmla="*/ 1253765 w 1253765"/>
+              <a:gd name="connsiteY0" fmla="*/ 1189349 h 1189349"/>
+              <a:gd name="connsiteX1" fmla="*/ 556181 w 1253765"/>
+              <a:gd name="connsiteY1" fmla="*/ 76986 h 1189349"/>
+              <a:gd name="connsiteX2" fmla="*/ 0 w 1253765"/>
+              <a:gd name="connsiteY2" fmla="*/ 727435 h 1189349"/>
+            </a:gdLst>
+            <a:ahLst/>
+            <a:cxnLst>
+              <a:cxn ang="0">
+                <a:pos x="connsiteX0" y="connsiteY0"/>
+              </a:cxn>
+              <a:cxn ang="0">
+                <a:pos x="connsiteX1" y="connsiteY1"/>
+              </a:cxn>
+              <a:cxn ang="0">
+                <a:pos x="connsiteX2" y="connsiteY2"/>
+              </a:cxn>
+            </a:cxnLst>
+            <a:rect l="l" t="t" r="r" b="b"/>
+            <a:pathLst>
+              <a:path w="1253765" h="1189349">
+                <a:moveTo>
+                  <a:pt x="1253765" y="1189349"/>
+                </a:moveTo>
+                <a:cubicBezTo>
+                  <a:pt x="1009453" y="671660"/>
+                  <a:pt x="765142" y="153972"/>
+                  <a:pt x="556181" y="76986"/>
+                </a:cubicBezTo>
+                <a:cubicBezTo>
+                  <a:pt x="347220" y="0"/>
+                  <a:pt x="173610" y="363717"/>
+                  <a:pt x="0" y="727435"/>
+                </a:cubicBezTo>
+              </a:path>
+            </a:pathLst>
+          </a:custGeom>
+          <a:ln>
+            <a:solidFill>
+              <a:schemeClr val="tx1"/>
+            </a:solidFill>
+            <a:headEnd type="none" w="med" len="med"/>
+            <a:tailEnd type="triangle" w="med" len="med"/>
+          </a:ln>
+        </p:spPr>
+        <p:style>
+          <a:lnRef idx="1">
+            <a:schemeClr val="accent1"/>
+          </a:lnRef>
+          <a:fillRef idx="0">
+            <a:schemeClr val="accent1"/>
+          </a:fillRef>
+          <a:effectRef idx="0">
+            <a:schemeClr val="accent1"/>
+          </a:effectRef>
+          <a:fontRef idx="minor">
+            <a:schemeClr val="tx1"/>
+          </a:fontRef>
+        </p:style>
+        <p:txBody>
+          <a:bodyPr rtlCol="0" anchor="ctr"/>
+          <a:lstStyle/>
+          <a:p>
+            <a:pPr algn="ctr"/>
+            <a:endParaRPr lang="en-US"/>
+          </a:p>
+        </p:txBody>
+      </p:sp>
+      <p:cxnSp>
+        <p:nvCxnSpPr>
+          <p:cNvPr id="38" name="Straight Arrow Connector 37"/>
+          <p:cNvCxnSpPr>
+            <a:stCxn id="8" idx="3"/>
+            <a:endCxn id="28" idx="1"/>
+          </p:cNvCxnSpPr>
+          <p:nvPr/>
+        </p:nvCxnSpPr>
+        <p:spPr>
+          <a:xfrm>
+            <a:off x="5211580" y="4964917"/>
+            <a:ext cx="289114" cy="1588"/>
+          </a:xfrm>
+          <a:prstGeom prst="straightConnector1">
+            <a:avLst/>
+          </a:prstGeom>
+          <a:ln>
+            <a:solidFill>
+              <a:schemeClr val="tx1"/>
+            </a:solidFill>
+            <a:headEnd type="none" w="med" len="med"/>
+            <a:tailEnd type="triangle" w="med" len="med"/>
+          </a:ln>
+        </p:spPr>
+        <p:style>
+          <a:lnRef idx="1">
+            <a:schemeClr val="accent1"/>
+          </a:lnRef>
+          <a:fillRef idx="0">
+            <a:schemeClr val="accent1"/>
+          </a:fillRef>
+          <a:effectRef idx="0">
+            <a:schemeClr val="accent1"/>
+          </a:effectRef>
+          <a:fontRef idx="minor">
+            <a:schemeClr val="tx1"/>
+          </a:fontRef>
+        </p:style>
+      </p:cxnSp>
+      <p:cxnSp>
+        <p:nvCxnSpPr>
+          <p:cNvPr id="41" name="Straight Arrow Connector 40"/>
+          <p:cNvCxnSpPr>
+            <a:stCxn id="11" idx="2"/>
+            <a:endCxn id="28" idx="0"/>
+          </p:cNvCxnSpPr>
+          <p:nvPr/>
+        </p:nvCxnSpPr>
+        <p:spPr>
+          <a:xfrm rot="16200000" flipH="1">
+            <a:off x="5963360" y="4248856"/>
+            <a:ext cx="642942" cy="3362"/>
+          </a:xfrm>
+          <a:prstGeom prst="straightConnector1">
+            <a:avLst/>
+          </a:prstGeom>
+          <a:ln>
+            <a:solidFill>
+              <a:schemeClr val="tx1"/>
+            </a:solidFill>
+            <a:headEnd type="none" w="med" len="med"/>
+            <a:tailEnd type="triangle" w="med" len="med"/>
+          </a:ln>
+        </p:spPr>
+        <p:style>
+          <a:lnRef idx="1">
+            <a:schemeClr val="accent1"/>
+          </a:lnRef>
+          <a:fillRef idx="0">
+            <a:schemeClr val="accent1"/>
+          </a:fillRef>
+          <a:effectRef idx="0">
+            <a:schemeClr val="accent1"/>
+          </a:effectRef>
+          <a:fontRef idx="minor">
+            <a:schemeClr val="tx1"/>
+          </a:fontRef>
+        </p:style>
+      </p:cxnSp>
+      <p:sp>
+        <p:nvSpPr>
+          <p:cNvPr id="42" name="Freeform 41"/>
+          <p:cNvSpPr/>
+          <p:nvPr/>
+        </p:nvSpPr>
+        <p:spPr>
+          <a:xfrm>
+            <a:off x="1033142" y="622168"/>
+            <a:ext cx="5254536" cy="5970311"/>
+          </a:xfrm>
+          <a:custGeom>
+            <a:avLst/>
+            <a:gdLst>
+              <a:gd name="connsiteX0" fmla="*/ 5231876 w 5231876"/>
+              <a:gd name="connsiteY0" fmla="*/ 5033914 h 6271968"/>
+              <a:gd name="connsiteX1" fmla="*/ 4534293 w 5231876"/>
+              <a:gd name="connsiteY1" fmla="*/ 5948314 h 6271968"/>
+              <a:gd name="connsiteX2" fmla="*/ 1178351 w 5231876"/>
+              <a:gd name="connsiteY2" fmla="*/ 6089716 h 6271968"/>
+              <a:gd name="connsiteX3" fmla="*/ 226243 w 5231876"/>
+              <a:gd name="connsiteY3" fmla="*/ 4854804 h 6271968"/>
+              <a:gd name="connsiteX4" fmla="*/ 226243 w 5231876"/>
+              <a:gd name="connsiteY4" fmla="*/ 886120 h 6271968"/>
+              <a:gd name="connsiteX5" fmla="*/ 1583703 w 5231876"/>
+              <a:gd name="connsiteY5" fmla="*/ 0 h 6271968"/>
+              <a:gd name="connsiteX0" fmla="*/ 5254536 w 5254536"/>
+              <a:gd name="connsiteY0" fmla="*/ 5033914 h 6271968"/>
+              <a:gd name="connsiteX1" fmla="*/ 4556953 w 5254536"/>
+              <a:gd name="connsiteY1" fmla="*/ 5948314 h 6271968"/>
+              <a:gd name="connsiteX2" fmla="*/ 1201011 w 5254536"/>
+              <a:gd name="connsiteY2" fmla="*/ 6089716 h 6271968"/>
+              <a:gd name="connsiteX3" fmla="*/ 248903 w 5254536"/>
+              <a:gd name="connsiteY3" fmla="*/ 4854804 h 6271968"/>
+              <a:gd name="connsiteX4" fmla="*/ 226243 w 5254536"/>
+              <a:gd name="connsiteY4" fmla="*/ 1132853 h 6271968"/>
+              <a:gd name="connsiteX5" fmla="*/ 1606363 w 5254536"/>
+              <a:gd name="connsiteY5" fmla="*/ 0 h 6271968"/>
+              <a:gd name="connsiteX0" fmla="*/ 5254536 w 5254536"/>
+              <a:gd name="connsiteY0" fmla="*/ 4732257 h 5970311"/>
+              <a:gd name="connsiteX1" fmla="*/ 4556953 w 5254536"/>
+              <a:gd name="connsiteY1" fmla="*/ 5646657 h 5970311"/>
+              <a:gd name="connsiteX2" fmla="*/ 1201011 w 5254536"/>
+              <a:gd name="connsiteY2" fmla="*/ 5788059 h 5970311"/>
+              <a:gd name="connsiteX3" fmla="*/ 248903 w 5254536"/>
+              <a:gd name="connsiteY3" fmla="*/ 4553147 h 5970311"/>
+              <a:gd name="connsiteX4" fmla="*/ 226243 w 5254536"/>
+              <a:gd name="connsiteY4" fmla="*/ 831196 h 5970311"/>
+              <a:gd name="connsiteX5" fmla="*/ 1606363 w 5254536"/>
+              <a:gd name="connsiteY5" fmla="*/ 0 h 5970311"/>
+            </a:gdLst>
+            <a:ahLst/>
+            <a:cxnLst>
+              <a:cxn ang="0">
+                <a:pos x="connsiteX0" y="connsiteY0"/>
+              </a:cxn>
+              <a:cxn ang="0">
+                <a:pos x="connsiteX1" y="connsiteY1"/>
+              </a:cxn>
+              <a:cxn ang="0">
+                <a:pos x="connsiteX2" y="connsiteY2"/>
+              </a:cxn>
+              <a:cxn ang="0">
+                <a:pos x="connsiteX3" y="connsiteY3"/>
+              </a:cxn>
+              <a:cxn ang="0">
+                <a:pos x="connsiteX4" y="connsiteY4"/>
+              </a:cxn>
+              <a:cxn ang="0">
+                <a:pos x="connsiteX5" y="connsiteY5"/>
+              </a:cxn>
+            </a:cxnLst>
+            <a:rect l="l" t="t" r="r" b="b"/>
+            <a:pathLst>
+              <a:path w="5254536" h="5970311">
+                <a:moveTo>
+                  <a:pt x="5254536" y="4732257"/>
+                </a:moveTo>
+                <a:cubicBezTo>
+                  <a:pt x="5243538" y="5101473"/>
+                  <a:pt x="5232540" y="5470690"/>
+                  <a:pt x="4556953" y="5646657"/>
+                </a:cubicBezTo>
+                <a:cubicBezTo>
+                  <a:pt x="3881366" y="5822624"/>
+                  <a:pt x="1919019" y="5970311"/>
+                  <a:pt x="1201011" y="5788059"/>
+                </a:cubicBezTo>
+                <a:cubicBezTo>
+                  <a:pt x="483003" y="5605807"/>
+                  <a:pt x="411364" y="5379291"/>
+                  <a:pt x="248903" y="4553147"/>
+                </a:cubicBezTo>
+                <a:cubicBezTo>
+                  <a:pt x="86442" y="3727003"/>
+                  <a:pt x="0" y="1590054"/>
+                  <a:pt x="226243" y="831196"/>
+                </a:cubicBezTo>
+                <a:cubicBezTo>
+                  <a:pt x="452486" y="72338"/>
+                  <a:pt x="1040754" y="38493"/>
+                  <a:pt x="1606363" y="0"/>
+                </a:cubicBezTo>
+              </a:path>
+            </a:pathLst>
+          </a:custGeom>
+          <a:ln>
+            <a:solidFill>
+              <a:schemeClr val="tx1"/>
+            </a:solidFill>
+            <a:headEnd type="none" w="med" len="med"/>
+            <a:tailEnd type="triangle" w="med" len="med"/>
+          </a:ln>
+        </p:spPr>
+        <p:style>
+          <a:lnRef idx="1">
+            <a:schemeClr val="accent1"/>
+          </a:lnRef>
+          <a:fillRef idx="0">
+            <a:schemeClr val="accent1"/>
+          </a:fillRef>
+          <a:effectRef idx="0">
+            <a:schemeClr val="accent1"/>
+          </a:effectRef>
+          <a:fontRef idx="minor">
+            <a:schemeClr val="tx1"/>
+          </a:fontRef>
+        </p:style>
+        <p:txBody>
+          <a:bodyPr rtlCol="0" anchor="ctr"/>
+          <a:lstStyle/>
+          <a:p>
+            <a:pPr algn="ctr"/>
+            <a:endParaRPr lang="en-US"/>
           </a:p>
         </p:txBody>
       </p:sp>
